--- a/AI Use Case.pptx
+++ b/AI Use Case.pptx
@@ -18,23 +18,29 @@
     <p:sldId id="263" r:id="rId13"/>
     <p:sldId id="264" r:id="rId14"/>
     <p:sldId id="265" r:id="rId15"/>
+    <p:sldId id="266" r:id="rId16"/>
+    <p:sldId id="267" r:id="rId17"/>
+    <p:sldId id="268" r:id="rId18"/>
+    <p:sldId id="269" r:id="rId19"/>
+    <p:sldId id="270" r:id="rId20"/>
+    <p:sldId id="271" r:id="rId21"/>
   </p:sldIdLst>
   <p:sldSz cy="5143500" cx="9144000"/>
   <p:notesSz cx="6858000" cy="9144000"/>
   <p:embeddedFontLst>
     <p:embeddedFont>
       <p:font typeface="Raleway"/>
-      <p:regular r:id="rId16"/>
-      <p:bold r:id="rId17"/>
-      <p:italic r:id="rId18"/>
-      <p:boldItalic r:id="rId19"/>
+      <p:regular r:id="rId22"/>
+      <p:bold r:id="rId23"/>
+      <p:italic r:id="rId24"/>
+      <p:boldItalic r:id="rId25"/>
     </p:embeddedFont>
     <p:embeddedFont>
       <p:font typeface="Lato"/>
-      <p:regular r:id="rId20"/>
-      <p:bold r:id="rId21"/>
-      <p:italic r:id="rId22"/>
-      <p:boldItalic r:id="rId23"/>
+      <p:regular r:id="rId26"/>
+      <p:bold r:id="rId27"/>
+      <p:italic r:id="rId28"/>
+      <p:boldItalic r:id="rId29"/>
     </p:embeddedFont>
   </p:embeddedFontLst>
   <p:defaultTextStyle>
@@ -815,7 +821,7 @@
   <p:cSld>
     <p:spTree>
       <p:nvGrpSpPr>
-        <p:cNvPr id="146" name="Shape 146"/>
+        <p:cNvPr id="142" name="Shape 142"/>
         <p:cNvGrpSpPr/>
         <p:nvPr/>
       </p:nvGrpSpPr>
@@ -829,7 +835,7 @@
       </p:grpSpPr>
       <p:sp>
         <p:nvSpPr>
-          <p:cNvPr id="147" name="Google Shape;147;g2f31254b691_1_42:notes"/>
+          <p:cNvPr id="143" name="Google Shape;143;g2f31254b691_1_74:notes"/>
           <p:cNvSpPr/>
           <p:nvPr>
             <p:ph idx="2" type="sldImg"/>
@@ -864,7 +870,601 @@
       </p:sp>
       <p:sp>
         <p:nvSpPr>
-          <p:cNvPr id="148" name="Google Shape;148;g2f31254b691_1_42:notes"/>
+          <p:cNvPr id="144" name="Google Shape;144;g2f31254b691_1_74:notes"/>
+          <p:cNvSpPr txBox="1"/>
+          <p:nvPr>
+            <p:ph idx="1" type="body"/>
+          </p:nvPr>
+        </p:nvSpPr>
+        <p:spPr>
+          <a:xfrm>
+            <a:off x="685800" y="4343400"/>
+            <a:ext cx="5486400" cy="4114800"/>
+          </a:xfrm>
+          <a:prstGeom prst="rect">
+            <a:avLst/>
+          </a:prstGeom>
+        </p:spPr>
+        <p:txBody>
+          <a:bodyPr anchorCtr="0" anchor="t" bIns="91425" lIns="91425" spcFirstLastPara="1" rIns="91425" wrap="square" tIns="91425">
+            <a:noAutofit/>
+          </a:bodyPr>
+          <a:lstStyle/>
+          <a:p>
+            <a:pPr indent="0" lvl="0" marL="0" rtl="0" algn="l">
+              <a:spcBef>
+                <a:spcPts val="0"/>
+              </a:spcBef>
+              <a:spcAft>
+                <a:spcPts val="0"/>
+              </a:spcAft>
+              <a:buNone/>
+            </a:pPr>
+            <a:r>
+              <a:t/>
+            </a:r>
+            <a:endParaRPr/>
+          </a:p>
+        </p:txBody>
+      </p:sp>
+    </p:spTree>
+  </p:cSld>
+  <p:clrMapOvr>
+    <a:masterClrMapping/>
+  </p:clrMapOvr>
+</p:notes>
+</file>
+
+<file path=ppt/notesSlides/notesSlide11.xml><?xml version="1.0" encoding="utf-8"?>
+<p:notes xmlns:a="http://schemas.openxmlformats.org/drawingml/2006/main" xmlns:r="http://schemas.openxmlformats.org/officeDocument/2006/relationships" xmlns:mc="http://schemas.openxmlformats.org/markup-compatibility/2006" xmlns:mv="urn:schemas-microsoft-com:mac:vml" xmlns:p="http://schemas.openxmlformats.org/presentationml/2006/main" xmlns:c="http://schemas.openxmlformats.org/drawingml/2006/chart" xmlns:dgm="http://schemas.openxmlformats.org/drawingml/2006/diagram" xmlns:o="urn:schemas-microsoft-com:office:office" xmlns:v="urn:schemas-microsoft-com:vml" xmlns:pvml="urn:schemas-microsoft-com:office:powerpoint" xmlns:com="http://schemas.openxmlformats.org/drawingml/2006/compatibility" xmlns:p14="http://schemas.microsoft.com/office/powerpoint/2010/main" xmlns:p15="http://schemas.microsoft.com/office/powerpoint/2012/main" xmlns:ahyp="http://schemas.microsoft.com/office/drawing/2018/hyperlinkcolor" showMasterPhAnim="0" showMasterSp="0">
+  <p:cSld>
+    <p:spTree>
+      <p:nvGrpSpPr>
+        <p:cNvPr id="149" name="Shape 149"/>
+        <p:cNvGrpSpPr/>
+        <p:nvPr/>
+      </p:nvGrpSpPr>
+      <p:grpSpPr>
+        <a:xfrm>
+          <a:off x="0" y="0"/>
+          <a:ext cx="0" cy="0"/>
+          <a:chOff x="0" y="0"/>
+          <a:chExt cx="0" cy="0"/>
+        </a:xfrm>
+      </p:grpSpPr>
+      <p:sp>
+        <p:nvSpPr>
+          <p:cNvPr id="150" name="Google Shape;150;g2f31254b691_1_62:notes"/>
+          <p:cNvSpPr/>
+          <p:nvPr>
+            <p:ph idx="2" type="sldImg"/>
+          </p:nvPr>
+        </p:nvSpPr>
+        <p:spPr>
+          <a:xfrm>
+            <a:off x="381300" y="685800"/>
+            <a:ext cx="6096000" cy="3429000"/>
+          </a:xfrm>
+          <a:custGeom>
+            <a:rect b="b" l="l" r="r" t="t"/>
+            <a:pathLst>
+              <a:path extrusionOk="0" h="120000" w="120000">
+                <a:moveTo>
+                  <a:pt x="0" y="0"/>
+                </a:moveTo>
+                <a:lnTo>
+                  <a:pt x="120000" y="0"/>
+                </a:lnTo>
+                <a:lnTo>
+                  <a:pt x="120000" y="120000"/>
+                </a:lnTo>
+                <a:lnTo>
+                  <a:pt x="0" y="120000"/>
+                </a:lnTo>
+                <a:close/>
+              </a:path>
+            </a:pathLst>
+          </a:custGeom>
+        </p:spPr>
+      </p:sp>
+      <p:sp>
+        <p:nvSpPr>
+          <p:cNvPr id="151" name="Google Shape;151;g2f31254b691_1_62:notes"/>
+          <p:cNvSpPr txBox="1"/>
+          <p:nvPr>
+            <p:ph idx="1" type="body"/>
+          </p:nvPr>
+        </p:nvSpPr>
+        <p:spPr>
+          <a:xfrm>
+            <a:off x="685800" y="4343400"/>
+            <a:ext cx="5486400" cy="4114800"/>
+          </a:xfrm>
+          <a:prstGeom prst="rect">
+            <a:avLst/>
+          </a:prstGeom>
+        </p:spPr>
+        <p:txBody>
+          <a:bodyPr anchorCtr="0" anchor="t" bIns="91425" lIns="91425" spcFirstLastPara="1" rIns="91425" wrap="square" tIns="91425">
+            <a:noAutofit/>
+          </a:bodyPr>
+          <a:lstStyle/>
+          <a:p>
+            <a:pPr indent="0" lvl="0" marL="0" rtl="0" algn="l">
+              <a:spcBef>
+                <a:spcPts val="0"/>
+              </a:spcBef>
+              <a:spcAft>
+                <a:spcPts val="0"/>
+              </a:spcAft>
+              <a:buNone/>
+            </a:pPr>
+            <a:r>
+              <a:t/>
+            </a:r>
+            <a:endParaRPr/>
+          </a:p>
+        </p:txBody>
+      </p:sp>
+    </p:spTree>
+  </p:cSld>
+  <p:clrMapOvr>
+    <a:masterClrMapping/>
+  </p:clrMapOvr>
+</p:notes>
+</file>
+
+<file path=ppt/notesSlides/notesSlide12.xml><?xml version="1.0" encoding="utf-8"?>
+<p:notes xmlns:a="http://schemas.openxmlformats.org/drawingml/2006/main" xmlns:r="http://schemas.openxmlformats.org/officeDocument/2006/relationships" xmlns:mc="http://schemas.openxmlformats.org/markup-compatibility/2006" xmlns:mv="urn:schemas-microsoft-com:mac:vml" xmlns:p="http://schemas.openxmlformats.org/presentationml/2006/main" xmlns:c="http://schemas.openxmlformats.org/drawingml/2006/chart" xmlns:dgm="http://schemas.openxmlformats.org/drawingml/2006/diagram" xmlns:o="urn:schemas-microsoft-com:office:office" xmlns:v="urn:schemas-microsoft-com:vml" xmlns:pvml="urn:schemas-microsoft-com:office:powerpoint" xmlns:com="http://schemas.openxmlformats.org/drawingml/2006/compatibility" xmlns:p14="http://schemas.microsoft.com/office/powerpoint/2010/main" xmlns:p15="http://schemas.microsoft.com/office/powerpoint/2012/main" xmlns:ahyp="http://schemas.microsoft.com/office/drawing/2018/hyperlinkcolor" showMasterPhAnim="0" showMasterSp="0">
+  <p:cSld>
+    <p:spTree>
+      <p:nvGrpSpPr>
+        <p:cNvPr id="156" name="Shape 156"/>
+        <p:cNvGrpSpPr/>
+        <p:nvPr/>
+      </p:nvGrpSpPr>
+      <p:grpSpPr>
+        <a:xfrm>
+          <a:off x="0" y="0"/>
+          <a:ext cx="0" cy="0"/>
+          <a:chOff x="0" y="0"/>
+          <a:chExt cx="0" cy="0"/>
+        </a:xfrm>
+      </p:grpSpPr>
+      <p:sp>
+        <p:nvSpPr>
+          <p:cNvPr id="157" name="Google Shape;157;g2f31254b691_1_37:notes"/>
+          <p:cNvSpPr/>
+          <p:nvPr>
+            <p:ph idx="2" type="sldImg"/>
+          </p:nvPr>
+        </p:nvSpPr>
+        <p:spPr>
+          <a:xfrm>
+            <a:off x="381300" y="685800"/>
+            <a:ext cx="6096000" cy="3429000"/>
+          </a:xfrm>
+          <a:custGeom>
+            <a:rect b="b" l="l" r="r" t="t"/>
+            <a:pathLst>
+              <a:path extrusionOk="0" h="120000" w="120000">
+                <a:moveTo>
+                  <a:pt x="0" y="0"/>
+                </a:moveTo>
+                <a:lnTo>
+                  <a:pt x="120000" y="0"/>
+                </a:lnTo>
+                <a:lnTo>
+                  <a:pt x="120000" y="120000"/>
+                </a:lnTo>
+                <a:lnTo>
+                  <a:pt x="0" y="120000"/>
+                </a:lnTo>
+                <a:close/>
+              </a:path>
+            </a:pathLst>
+          </a:custGeom>
+        </p:spPr>
+      </p:sp>
+      <p:sp>
+        <p:nvSpPr>
+          <p:cNvPr id="158" name="Google Shape;158;g2f31254b691_1_37:notes"/>
+          <p:cNvSpPr txBox="1"/>
+          <p:nvPr>
+            <p:ph idx="1" type="body"/>
+          </p:nvPr>
+        </p:nvSpPr>
+        <p:spPr>
+          <a:xfrm>
+            <a:off x="685800" y="4343400"/>
+            <a:ext cx="5486400" cy="4114800"/>
+          </a:xfrm>
+          <a:prstGeom prst="rect">
+            <a:avLst/>
+          </a:prstGeom>
+        </p:spPr>
+        <p:txBody>
+          <a:bodyPr anchorCtr="0" anchor="t" bIns="91425" lIns="91425" spcFirstLastPara="1" rIns="91425" wrap="square" tIns="91425">
+            <a:noAutofit/>
+          </a:bodyPr>
+          <a:lstStyle/>
+          <a:p>
+            <a:pPr indent="0" lvl="0" marL="0" rtl="0" algn="l">
+              <a:spcBef>
+                <a:spcPts val="0"/>
+              </a:spcBef>
+              <a:spcAft>
+                <a:spcPts val="0"/>
+              </a:spcAft>
+              <a:buNone/>
+            </a:pPr>
+            <a:r>
+              <a:t/>
+            </a:r>
+            <a:endParaRPr/>
+          </a:p>
+        </p:txBody>
+      </p:sp>
+    </p:spTree>
+  </p:cSld>
+  <p:clrMapOvr>
+    <a:masterClrMapping/>
+  </p:clrMapOvr>
+</p:notes>
+</file>
+
+<file path=ppt/notesSlides/notesSlide13.xml><?xml version="1.0" encoding="utf-8"?>
+<p:notes xmlns:a="http://schemas.openxmlformats.org/drawingml/2006/main" xmlns:r="http://schemas.openxmlformats.org/officeDocument/2006/relationships" xmlns:mc="http://schemas.openxmlformats.org/markup-compatibility/2006" xmlns:mv="urn:schemas-microsoft-com:mac:vml" xmlns:p="http://schemas.openxmlformats.org/presentationml/2006/main" xmlns:c="http://schemas.openxmlformats.org/drawingml/2006/chart" xmlns:dgm="http://schemas.openxmlformats.org/drawingml/2006/diagram" xmlns:o="urn:schemas-microsoft-com:office:office" xmlns:v="urn:schemas-microsoft-com:vml" xmlns:pvml="urn:schemas-microsoft-com:office:powerpoint" xmlns:com="http://schemas.openxmlformats.org/drawingml/2006/compatibility" xmlns:p14="http://schemas.microsoft.com/office/powerpoint/2010/main" xmlns:p15="http://schemas.microsoft.com/office/powerpoint/2012/main" xmlns:ahyp="http://schemas.microsoft.com/office/drawing/2018/hyperlinkcolor" showMasterPhAnim="0" showMasterSp="0">
+  <p:cSld>
+    <p:spTree>
+      <p:nvGrpSpPr>
+        <p:cNvPr id="163" name="Shape 163"/>
+        <p:cNvGrpSpPr/>
+        <p:nvPr/>
+      </p:nvGrpSpPr>
+      <p:grpSpPr>
+        <a:xfrm>
+          <a:off x="0" y="0"/>
+          <a:ext cx="0" cy="0"/>
+          <a:chOff x="0" y="0"/>
+          <a:chExt cx="0" cy="0"/>
+        </a:xfrm>
+      </p:grpSpPr>
+      <p:sp>
+        <p:nvSpPr>
+          <p:cNvPr id="164" name="Google Shape;164;g2f31254b691_1_57:notes"/>
+          <p:cNvSpPr/>
+          <p:nvPr>
+            <p:ph idx="2" type="sldImg"/>
+          </p:nvPr>
+        </p:nvSpPr>
+        <p:spPr>
+          <a:xfrm>
+            <a:off x="381300" y="685800"/>
+            <a:ext cx="6096000" cy="3429000"/>
+          </a:xfrm>
+          <a:custGeom>
+            <a:rect b="b" l="l" r="r" t="t"/>
+            <a:pathLst>
+              <a:path extrusionOk="0" h="120000" w="120000">
+                <a:moveTo>
+                  <a:pt x="0" y="0"/>
+                </a:moveTo>
+                <a:lnTo>
+                  <a:pt x="120000" y="0"/>
+                </a:lnTo>
+                <a:lnTo>
+                  <a:pt x="120000" y="120000"/>
+                </a:lnTo>
+                <a:lnTo>
+                  <a:pt x="0" y="120000"/>
+                </a:lnTo>
+                <a:close/>
+              </a:path>
+            </a:pathLst>
+          </a:custGeom>
+        </p:spPr>
+      </p:sp>
+      <p:sp>
+        <p:nvSpPr>
+          <p:cNvPr id="165" name="Google Shape;165;g2f31254b691_1_57:notes"/>
+          <p:cNvSpPr txBox="1"/>
+          <p:nvPr>
+            <p:ph idx="1" type="body"/>
+          </p:nvPr>
+        </p:nvSpPr>
+        <p:spPr>
+          <a:xfrm>
+            <a:off x="685800" y="4343400"/>
+            <a:ext cx="5486400" cy="4114800"/>
+          </a:xfrm>
+          <a:prstGeom prst="rect">
+            <a:avLst/>
+          </a:prstGeom>
+        </p:spPr>
+        <p:txBody>
+          <a:bodyPr anchorCtr="0" anchor="t" bIns="91425" lIns="91425" spcFirstLastPara="1" rIns="91425" wrap="square" tIns="91425">
+            <a:noAutofit/>
+          </a:bodyPr>
+          <a:lstStyle/>
+          <a:p>
+            <a:pPr indent="0" lvl="0" marL="0" rtl="0" algn="l">
+              <a:spcBef>
+                <a:spcPts val="0"/>
+              </a:spcBef>
+              <a:spcAft>
+                <a:spcPts val="0"/>
+              </a:spcAft>
+              <a:buNone/>
+            </a:pPr>
+            <a:r>
+              <a:t/>
+            </a:r>
+            <a:endParaRPr/>
+          </a:p>
+        </p:txBody>
+      </p:sp>
+    </p:spTree>
+  </p:cSld>
+  <p:clrMapOvr>
+    <a:masterClrMapping/>
+  </p:clrMapOvr>
+</p:notes>
+</file>
+
+<file path=ppt/notesSlides/notesSlide14.xml><?xml version="1.0" encoding="utf-8"?>
+<p:notes xmlns:a="http://schemas.openxmlformats.org/drawingml/2006/main" xmlns:r="http://schemas.openxmlformats.org/officeDocument/2006/relationships" xmlns:mc="http://schemas.openxmlformats.org/markup-compatibility/2006" xmlns:mv="urn:schemas-microsoft-com:mac:vml" xmlns:p="http://schemas.openxmlformats.org/presentationml/2006/main" xmlns:c="http://schemas.openxmlformats.org/drawingml/2006/chart" xmlns:dgm="http://schemas.openxmlformats.org/drawingml/2006/diagram" xmlns:o="urn:schemas-microsoft-com:office:office" xmlns:v="urn:schemas-microsoft-com:vml" xmlns:pvml="urn:schemas-microsoft-com:office:powerpoint" xmlns:com="http://schemas.openxmlformats.org/drawingml/2006/compatibility" xmlns:p14="http://schemas.microsoft.com/office/powerpoint/2010/main" xmlns:p15="http://schemas.microsoft.com/office/powerpoint/2012/main" xmlns:ahyp="http://schemas.microsoft.com/office/drawing/2018/hyperlinkcolor" showMasterPhAnim="0" showMasterSp="0">
+  <p:cSld>
+    <p:spTree>
+      <p:nvGrpSpPr>
+        <p:cNvPr id="169" name="Shape 169"/>
+        <p:cNvGrpSpPr/>
+        <p:nvPr/>
+      </p:nvGrpSpPr>
+      <p:grpSpPr>
+        <a:xfrm>
+          <a:off x="0" y="0"/>
+          <a:ext cx="0" cy="0"/>
+          <a:chOff x="0" y="0"/>
+          <a:chExt cx="0" cy="0"/>
+        </a:xfrm>
+      </p:grpSpPr>
+      <p:sp>
+        <p:nvSpPr>
+          <p:cNvPr id="170" name="Google Shape;170;g2f31254b691_1_0:notes"/>
+          <p:cNvSpPr/>
+          <p:nvPr>
+            <p:ph idx="2" type="sldImg"/>
+          </p:nvPr>
+        </p:nvSpPr>
+        <p:spPr>
+          <a:xfrm>
+            <a:off x="381300" y="685800"/>
+            <a:ext cx="6096000" cy="3429000"/>
+          </a:xfrm>
+          <a:custGeom>
+            <a:rect b="b" l="l" r="r" t="t"/>
+            <a:pathLst>
+              <a:path extrusionOk="0" h="120000" w="120000">
+                <a:moveTo>
+                  <a:pt x="0" y="0"/>
+                </a:moveTo>
+                <a:lnTo>
+                  <a:pt x="120000" y="0"/>
+                </a:lnTo>
+                <a:lnTo>
+                  <a:pt x="120000" y="120000"/>
+                </a:lnTo>
+                <a:lnTo>
+                  <a:pt x="0" y="120000"/>
+                </a:lnTo>
+                <a:close/>
+              </a:path>
+            </a:pathLst>
+          </a:custGeom>
+        </p:spPr>
+      </p:sp>
+      <p:sp>
+        <p:nvSpPr>
+          <p:cNvPr id="171" name="Google Shape;171;g2f31254b691_1_0:notes"/>
+          <p:cNvSpPr txBox="1"/>
+          <p:nvPr>
+            <p:ph idx="1" type="body"/>
+          </p:nvPr>
+        </p:nvSpPr>
+        <p:spPr>
+          <a:xfrm>
+            <a:off x="685800" y="4343400"/>
+            <a:ext cx="5486400" cy="4114800"/>
+          </a:xfrm>
+          <a:prstGeom prst="rect">
+            <a:avLst/>
+          </a:prstGeom>
+        </p:spPr>
+        <p:txBody>
+          <a:bodyPr anchorCtr="0" anchor="t" bIns="91425" lIns="91425" spcFirstLastPara="1" rIns="91425" wrap="square" tIns="91425">
+            <a:noAutofit/>
+          </a:bodyPr>
+          <a:lstStyle/>
+          <a:p>
+            <a:pPr indent="0" lvl="0" marL="0" rtl="0" algn="l">
+              <a:spcBef>
+                <a:spcPts val="0"/>
+              </a:spcBef>
+              <a:spcAft>
+                <a:spcPts val="0"/>
+              </a:spcAft>
+              <a:buNone/>
+            </a:pPr>
+            <a:r>
+              <a:t/>
+            </a:r>
+            <a:endParaRPr/>
+          </a:p>
+        </p:txBody>
+      </p:sp>
+    </p:spTree>
+  </p:cSld>
+  <p:clrMapOvr>
+    <a:masterClrMapping/>
+  </p:clrMapOvr>
+</p:notes>
+</file>
+
+<file path=ppt/notesSlides/notesSlide15.xml><?xml version="1.0" encoding="utf-8"?>
+<p:notes xmlns:a="http://schemas.openxmlformats.org/drawingml/2006/main" xmlns:r="http://schemas.openxmlformats.org/officeDocument/2006/relationships" xmlns:mc="http://schemas.openxmlformats.org/markup-compatibility/2006" xmlns:mv="urn:schemas-microsoft-com:mac:vml" xmlns:p="http://schemas.openxmlformats.org/presentationml/2006/main" xmlns:c="http://schemas.openxmlformats.org/drawingml/2006/chart" xmlns:dgm="http://schemas.openxmlformats.org/drawingml/2006/diagram" xmlns:o="urn:schemas-microsoft-com:office:office" xmlns:v="urn:schemas-microsoft-com:vml" xmlns:pvml="urn:schemas-microsoft-com:office:powerpoint" xmlns:com="http://schemas.openxmlformats.org/drawingml/2006/compatibility" xmlns:p14="http://schemas.microsoft.com/office/powerpoint/2010/main" xmlns:p15="http://schemas.microsoft.com/office/powerpoint/2012/main" xmlns:ahyp="http://schemas.microsoft.com/office/drawing/2018/hyperlinkcolor" showMasterPhAnim="0" showMasterSp="0">
+  <p:cSld>
+    <p:spTree>
+      <p:nvGrpSpPr>
+        <p:cNvPr id="177" name="Shape 177"/>
+        <p:cNvGrpSpPr/>
+        <p:nvPr/>
+      </p:nvGrpSpPr>
+      <p:grpSpPr>
+        <a:xfrm>
+          <a:off x="0" y="0"/>
+          <a:ext cx="0" cy="0"/>
+          <a:chOff x="0" y="0"/>
+          <a:chExt cx="0" cy="0"/>
+        </a:xfrm>
+      </p:grpSpPr>
+      <p:sp>
+        <p:nvSpPr>
+          <p:cNvPr id="178" name="Google Shape;178;g2f31254b691_1_80:notes"/>
+          <p:cNvSpPr/>
+          <p:nvPr>
+            <p:ph idx="2" type="sldImg"/>
+          </p:nvPr>
+        </p:nvSpPr>
+        <p:spPr>
+          <a:xfrm>
+            <a:off x="381300" y="685800"/>
+            <a:ext cx="6096000" cy="3429000"/>
+          </a:xfrm>
+          <a:custGeom>
+            <a:rect b="b" l="l" r="r" t="t"/>
+            <a:pathLst>
+              <a:path extrusionOk="0" h="120000" w="120000">
+                <a:moveTo>
+                  <a:pt x="0" y="0"/>
+                </a:moveTo>
+                <a:lnTo>
+                  <a:pt x="120000" y="0"/>
+                </a:lnTo>
+                <a:lnTo>
+                  <a:pt x="120000" y="120000"/>
+                </a:lnTo>
+                <a:lnTo>
+                  <a:pt x="0" y="120000"/>
+                </a:lnTo>
+                <a:close/>
+              </a:path>
+            </a:pathLst>
+          </a:custGeom>
+        </p:spPr>
+      </p:sp>
+      <p:sp>
+        <p:nvSpPr>
+          <p:cNvPr id="179" name="Google Shape;179;g2f31254b691_1_80:notes"/>
+          <p:cNvSpPr txBox="1"/>
+          <p:nvPr>
+            <p:ph idx="1" type="body"/>
+          </p:nvPr>
+        </p:nvSpPr>
+        <p:spPr>
+          <a:xfrm>
+            <a:off x="685800" y="4343400"/>
+            <a:ext cx="5486400" cy="4114800"/>
+          </a:xfrm>
+          <a:prstGeom prst="rect">
+            <a:avLst/>
+          </a:prstGeom>
+        </p:spPr>
+        <p:txBody>
+          <a:bodyPr anchorCtr="0" anchor="t" bIns="91425" lIns="91425" spcFirstLastPara="1" rIns="91425" wrap="square" tIns="91425">
+            <a:noAutofit/>
+          </a:bodyPr>
+          <a:lstStyle/>
+          <a:p>
+            <a:pPr indent="0" lvl="0" marL="0" rtl="0" algn="l">
+              <a:spcBef>
+                <a:spcPts val="0"/>
+              </a:spcBef>
+              <a:spcAft>
+                <a:spcPts val="0"/>
+              </a:spcAft>
+              <a:buNone/>
+            </a:pPr>
+            <a:r>
+              <a:t/>
+            </a:r>
+            <a:endParaRPr/>
+          </a:p>
+        </p:txBody>
+      </p:sp>
+    </p:spTree>
+  </p:cSld>
+  <p:clrMapOvr>
+    <a:masterClrMapping/>
+  </p:clrMapOvr>
+</p:notes>
+</file>
+
+<file path=ppt/notesSlides/notesSlide16.xml><?xml version="1.0" encoding="utf-8"?>
+<p:notes xmlns:a="http://schemas.openxmlformats.org/drawingml/2006/main" xmlns:r="http://schemas.openxmlformats.org/officeDocument/2006/relationships" xmlns:mc="http://schemas.openxmlformats.org/markup-compatibility/2006" xmlns:mv="urn:schemas-microsoft-com:mac:vml" xmlns:p="http://schemas.openxmlformats.org/presentationml/2006/main" xmlns:c="http://schemas.openxmlformats.org/drawingml/2006/chart" xmlns:dgm="http://schemas.openxmlformats.org/drawingml/2006/diagram" xmlns:o="urn:schemas-microsoft-com:office:office" xmlns:v="urn:schemas-microsoft-com:vml" xmlns:pvml="urn:schemas-microsoft-com:office:powerpoint" xmlns:com="http://schemas.openxmlformats.org/drawingml/2006/compatibility" xmlns:p14="http://schemas.microsoft.com/office/powerpoint/2010/main" xmlns:p15="http://schemas.microsoft.com/office/powerpoint/2012/main" xmlns:ahyp="http://schemas.microsoft.com/office/drawing/2018/hyperlinkcolor" showMasterPhAnim="0" showMasterSp="0">
+  <p:cSld>
+    <p:spTree>
+      <p:nvGrpSpPr>
+        <p:cNvPr id="185" name="Shape 185"/>
+        <p:cNvGrpSpPr/>
+        <p:nvPr/>
+      </p:nvGrpSpPr>
+      <p:grpSpPr>
+        <a:xfrm>
+          <a:off x="0" y="0"/>
+          <a:ext cx="0" cy="0"/>
+          <a:chOff x="0" y="0"/>
+          <a:chExt cx="0" cy="0"/>
+        </a:xfrm>
+      </p:grpSpPr>
+      <p:sp>
+        <p:nvSpPr>
+          <p:cNvPr id="186" name="Google Shape;186;g2f31254b691_1_42:notes"/>
+          <p:cNvSpPr/>
+          <p:nvPr>
+            <p:ph idx="2" type="sldImg"/>
+          </p:nvPr>
+        </p:nvSpPr>
+        <p:spPr>
+          <a:xfrm>
+            <a:off x="381300" y="685800"/>
+            <a:ext cx="6096000" cy="3429000"/>
+          </a:xfrm>
+          <a:custGeom>
+            <a:rect b="b" l="l" r="r" t="t"/>
+            <a:pathLst>
+              <a:path extrusionOk="0" h="120000" w="120000">
+                <a:moveTo>
+                  <a:pt x="0" y="0"/>
+                </a:moveTo>
+                <a:lnTo>
+                  <a:pt x="120000" y="0"/>
+                </a:lnTo>
+                <a:lnTo>
+                  <a:pt x="120000" y="120000"/>
+                </a:lnTo>
+                <a:lnTo>
+                  <a:pt x="0" y="120000"/>
+                </a:lnTo>
+                <a:close/>
+              </a:path>
+            </a:pathLst>
+          </a:custGeom>
+        </p:spPr>
+      </p:sp>
+      <p:sp>
+        <p:nvSpPr>
+          <p:cNvPr id="187" name="Google Shape;187;g2f31254b691_1_42:notes"/>
           <p:cNvSpPr txBox="1"/>
           <p:nvPr>
             <p:ph idx="1" type="body"/>
@@ -1423,7 +2023,7 @@
       </p:grpSpPr>
       <p:sp>
         <p:nvSpPr>
-          <p:cNvPr id="123" name="Google Shape;123;g2f31254b691_1_23:notes"/>
+          <p:cNvPr id="123" name="Google Shape;123;g2f31254b691_1_47:notes"/>
           <p:cNvSpPr/>
           <p:nvPr>
             <p:ph idx="2" type="sldImg"/>
@@ -1458,7 +2058,7 @@
       </p:sp>
       <p:sp>
         <p:nvSpPr>
-          <p:cNvPr id="124" name="Google Shape;124;g2f31254b691_1_23:notes"/>
+          <p:cNvPr id="124" name="Google Shape;124;g2f31254b691_1_47:notes"/>
           <p:cNvSpPr txBox="1"/>
           <p:nvPr>
             <p:ph idx="1" type="body"/>
@@ -1508,7 +2108,7 @@
   <p:cSld>
     <p:spTree>
       <p:nvGrpSpPr>
-        <p:cNvPr id="132" name="Shape 132"/>
+        <p:cNvPr id="128" name="Shape 128"/>
         <p:cNvGrpSpPr/>
         <p:nvPr/>
       </p:nvGrpSpPr>
@@ -1522,7 +2122,7 @@
       </p:grpSpPr>
       <p:sp>
         <p:nvSpPr>
-          <p:cNvPr id="133" name="Google Shape;133;g2f31254b691_1_37:notes"/>
+          <p:cNvPr id="129" name="Google Shape;129;g2f31254b691_1_23:notes"/>
           <p:cNvSpPr/>
           <p:nvPr>
             <p:ph idx="2" type="sldImg"/>
@@ -1557,7 +2157,7 @@
       </p:sp>
       <p:sp>
         <p:nvSpPr>
-          <p:cNvPr id="134" name="Google Shape;134;g2f31254b691_1_37:notes"/>
+          <p:cNvPr id="130" name="Google Shape;130;g2f31254b691_1_23:notes"/>
           <p:cNvSpPr txBox="1"/>
           <p:nvPr>
             <p:ph idx="1" type="body"/>
@@ -1607,7 +2207,7 @@
   <p:cSld>
     <p:spTree>
       <p:nvGrpSpPr>
-        <p:cNvPr id="138" name="Shape 138"/>
+        <p:cNvPr id="135" name="Shape 135"/>
         <p:cNvGrpSpPr/>
         <p:nvPr/>
       </p:nvGrpSpPr>
@@ -1621,7 +2221,7 @@
       </p:grpSpPr>
       <p:sp>
         <p:nvSpPr>
-          <p:cNvPr id="139" name="Google Shape;139;g2f31254b691_1_0:notes"/>
+          <p:cNvPr id="136" name="Google Shape;136;g2f31254b691_1_68:notes"/>
           <p:cNvSpPr/>
           <p:nvPr>
             <p:ph idx="2" type="sldImg"/>
@@ -1656,7 +2256,7 @@
       </p:sp>
       <p:sp>
         <p:nvSpPr>
-          <p:cNvPr id="140" name="Google Shape;140;g2f31254b691_1_0:notes"/>
+          <p:cNvPr id="137" name="Google Shape;137;g2f31254b691_1_68:notes"/>
           <p:cNvSpPr txBox="1"/>
           <p:nvPr>
             <p:ph idx="1" type="body"/>
@@ -8097,7 +8697,7 @@
   <p:cSld>
     <p:spTree>
       <p:nvGrpSpPr>
-        <p:cNvPr id="149" name="Shape 149"/>
+        <p:cNvPr id="145" name="Shape 145"/>
         <p:cNvGrpSpPr/>
         <p:nvPr/>
       </p:nvGrpSpPr>
@@ -8111,7 +8711,858 @@
       </p:grpSpPr>
       <p:sp>
         <p:nvSpPr>
-          <p:cNvPr id="150" name="Google Shape;150;p22"/>
+          <p:cNvPr id="146" name="Google Shape;146;p22"/>
+          <p:cNvSpPr txBox="1"/>
+          <p:nvPr>
+            <p:ph type="title"/>
+          </p:nvPr>
+        </p:nvSpPr>
+        <p:spPr>
+          <a:xfrm>
+            <a:off x="729450" y="1318650"/>
+            <a:ext cx="7688700" cy="535200"/>
+          </a:xfrm>
+          <a:prstGeom prst="rect">
+            <a:avLst/>
+          </a:prstGeom>
+        </p:spPr>
+        <p:txBody>
+          <a:bodyPr anchorCtr="0" anchor="t" bIns="91425" lIns="91425" spcFirstLastPara="1" rIns="91425" wrap="square" tIns="91425">
+            <a:normAutofit fontScale="90000"/>
+          </a:bodyPr>
+          <a:lstStyle/>
+          <a:p>
+            <a:pPr indent="0" lvl="0" marL="0" rtl="0" algn="l">
+              <a:spcBef>
+                <a:spcPts val="0"/>
+              </a:spcBef>
+              <a:spcAft>
+                <a:spcPts val="0"/>
+              </a:spcAft>
+              <a:buNone/>
+            </a:pPr>
+            <a:r>
+              <a:t/>
+            </a:r>
+            <a:endParaRPr/>
+          </a:p>
+        </p:txBody>
+      </p:sp>
+      <p:sp>
+        <p:nvSpPr>
+          <p:cNvPr id="147" name="Google Shape;147;p22"/>
+          <p:cNvSpPr txBox="1"/>
+          <p:nvPr>
+            <p:ph idx="1" type="body"/>
+          </p:nvPr>
+        </p:nvSpPr>
+        <p:spPr>
+          <a:xfrm>
+            <a:off x="729450" y="2078875"/>
+            <a:ext cx="7688700" cy="2261100"/>
+          </a:xfrm>
+          <a:prstGeom prst="rect">
+            <a:avLst/>
+          </a:prstGeom>
+        </p:spPr>
+        <p:txBody>
+          <a:bodyPr anchorCtr="0" anchor="t" bIns="91425" lIns="91425" spcFirstLastPara="1" rIns="91425" wrap="square" tIns="91425">
+            <a:normAutofit/>
+          </a:bodyPr>
+          <a:lstStyle/>
+          <a:p>
+            <a:pPr indent="0" lvl="0" marL="0" rtl="0" algn="l">
+              <a:spcBef>
+                <a:spcPts val="0"/>
+              </a:spcBef>
+              <a:spcAft>
+                <a:spcPts val="1200"/>
+              </a:spcAft>
+              <a:buNone/>
+            </a:pPr>
+            <a:r>
+              <a:t/>
+            </a:r>
+            <a:endParaRPr/>
+          </a:p>
+        </p:txBody>
+      </p:sp>
+      <p:pic>
+        <p:nvPicPr>
+          <p:cNvPr id="148" name="Google Shape;148;p22"/>
+          <p:cNvPicPr preferRelativeResize="0"/>
+          <p:nvPr/>
+        </p:nvPicPr>
+        <p:blipFill>
+          <a:blip r:embed="rId3">
+            <a:alphaModFix/>
+          </a:blip>
+          <a:stretch>
+            <a:fillRect/>
+          </a:stretch>
+        </p:blipFill>
+        <p:spPr>
+          <a:xfrm>
+            <a:off x="611400" y="1318638"/>
+            <a:ext cx="7924800" cy="2733675"/>
+          </a:xfrm>
+          <a:prstGeom prst="rect">
+            <a:avLst/>
+          </a:prstGeom>
+          <a:noFill/>
+          <a:ln>
+            <a:noFill/>
+          </a:ln>
+        </p:spPr>
+      </p:pic>
+    </p:spTree>
+  </p:cSld>
+  <p:clrMapOvr>
+    <a:masterClrMapping/>
+  </p:clrMapOvr>
+</p:sld>
+</file>
+
+<file path=ppt/slides/slide11.xml><?xml version="1.0" encoding="utf-8"?>
+<p:sld xmlns:a="http://schemas.openxmlformats.org/drawingml/2006/main" xmlns:r="http://schemas.openxmlformats.org/officeDocument/2006/relationships" xmlns:mc="http://schemas.openxmlformats.org/markup-compatibility/2006" xmlns:mv="urn:schemas-microsoft-com:mac:vml" xmlns:p="http://schemas.openxmlformats.org/presentationml/2006/main" xmlns:c="http://schemas.openxmlformats.org/drawingml/2006/chart" xmlns:dgm="http://schemas.openxmlformats.org/drawingml/2006/diagram" xmlns:o="urn:schemas-microsoft-com:office:office" xmlns:v="urn:schemas-microsoft-com:vml" xmlns:pvml="urn:schemas-microsoft-com:office:powerpoint" xmlns:com="http://schemas.openxmlformats.org/drawingml/2006/compatibility" xmlns:p14="http://schemas.microsoft.com/office/powerpoint/2010/main" xmlns:p15="http://schemas.microsoft.com/office/powerpoint/2012/main" xmlns:ahyp="http://schemas.microsoft.com/office/drawing/2018/hyperlinkcolor">
+  <p:cSld>
+    <p:spTree>
+      <p:nvGrpSpPr>
+        <p:cNvPr id="152" name="Shape 152"/>
+        <p:cNvGrpSpPr/>
+        <p:nvPr/>
+      </p:nvGrpSpPr>
+      <p:grpSpPr>
+        <a:xfrm>
+          <a:off x="0" y="0"/>
+          <a:ext cx="0" cy="0"/>
+          <a:chOff x="0" y="0"/>
+          <a:chExt cx="0" cy="0"/>
+        </a:xfrm>
+      </p:grpSpPr>
+      <p:sp>
+        <p:nvSpPr>
+          <p:cNvPr id="153" name="Google Shape;153;p23"/>
+          <p:cNvSpPr txBox="1"/>
+          <p:nvPr>
+            <p:ph type="title"/>
+          </p:nvPr>
+        </p:nvSpPr>
+        <p:spPr>
+          <a:xfrm>
+            <a:off x="729450" y="1318650"/>
+            <a:ext cx="7688700" cy="535200"/>
+          </a:xfrm>
+          <a:prstGeom prst="rect">
+            <a:avLst/>
+          </a:prstGeom>
+        </p:spPr>
+        <p:txBody>
+          <a:bodyPr anchorCtr="0" anchor="t" bIns="91425" lIns="91425" spcFirstLastPara="1" rIns="91425" wrap="square" tIns="91425">
+            <a:normAutofit fontScale="90000"/>
+          </a:bodyPr>
+          <a:lstStyle/>
+          <a:p>
+            <a:pPr indent="0" lvl="0" marL="0" rtl="0" algn="l">
+              <a:spcBef>
+                <a:spcPts val="0"/>
+              </a:spcBef>
+              <a:spcAft>
+                <a:spcPts val="0"/>
+              </a:spcAft>
+              <a:buNone/>
+            </a:pPr>
+            <a:r>
+              <a:t/>
+            </a:r>
+            <a:endParaRPr/>
+          </a:p>
+        </p:txBody>
+      </p:sp>
+      <p:sp>
+        <p:nvSpPr>
+          <p:cNvPr id="154" name="Google Shape;154;p23"/>
+          <p:cNvSpPr txBox="1"/>
+          <p:nvPr>
+            <p:ph idx="1" type="body"/>
+          </p:nvPr>
+        </p:nvSpPr>
+        <p:spPr>
+          <a:xfrm>
+            <a:off x="729450" y="2078875"/>
+            <a:ext cx="7688700" cy="2261100"/>
+          </a:xfrm>
+          <a:prstGeom prst="rect">
+            <a:avLst/>
+          </a:prstGeom>
+        </p:spPr>
+        <p:txBody>
+          <a:bodyPr anchorCtr="0" anchor="t" bIns="91425" lIns="91425" spcFirstLastPara="1" rIns="91425" wrap="square" tIns="91425">
+            <a:normAutofit/>
+          </a:bodyPr>
+          <a:lstStyle/>
+          <a:p>
+            <a:pPr indent="0" lvl="0" marL="0" rtl="0" algn="l">
+              <a:spcBef>
+                <a:spcPts val="0"/>
+              </a:spcBef>
+              <a:spcAft>
+                <a:spcPts val="1200"/>
+              </a:spcAft>
+              <a:buNone/>
+            </a:pPr>
+            <a:r>
+              <a:t/>
+            </a:r>
+            <a:endParaRPr/>
+          </a:p>
+        </p:txBody>
+      </p:sp>
+      <p:pic>
+        <p:nvPicPr>
+          <p:cNvPr id="155" name="Google Shape;155;p23"/>
+          <p:cNvPicPr preferRelativeResize="0"/>
+          <p:nvPr/>
+        </p:nvPicPr>
+        <p:blipFill>
+          <a:blip r:embed="rId3">
+            <a:alphaModFix/>
+          </a:blip>
+          <a:stretch>
+            <a:fillRect/>
+          </a:stretch>
+        </p:blipFill>
+        <p:spPr>
+          <a:xfrm>
+            <a:off x="744750" y="1318638"/>
+            <a:ext cx="7658100" cy="3019425"/>
+          </a:xfrm>
+          <a:prstGeom prst="rect">
+            <a:avLst/>
+          </a:prstGeom>
+          <a:noFill/>
+          <a:ln>
+            <a:noFill/>
+          </a:ln>
+        </p:spPr>
+      </p:pic>
+    </p:spTree>
+  </p:cSld>
+  <p:clrMapOvr>
+    <a:masterClrMapping/>
+  </p:clrMapOvr>
+</p:sld>
+</file>
+
+<file path=ppt/slides/slide12.xml><?xml version="1.0" encoding="utf-8"?>
+<p:sld xmlns:a="http://schemas.openxmlformats.org/drawingml/2006/main" xmlns:r="http://schemas.openxmlformats.org/officeDocument/2006/relationships" xmlns:mc="http://schemas.openxmlformats.org/markup-compatibility/2006" xmlns:mv="urn:schemas-microsoft-com:mac:vml" xmlns:p="http://schemas.openxmlformats.org/presentationml/2006/main" xmlns:c="http://schemas.openxmlformats.org/drawingml/2006/chart" xmlns:dgm="http://schemas.openxmlformats.org/drawingml/2006/diagram" xmlns:o="urn:schemas-microsoft-com:office:office" xmlns:v="urn:schemas-microsoft-com:vml" xmlns:pvml="urn:schemas-microsoft-com:office:powerpoint" xmlns:com="http://schemas.openxmlformats.org/drawingml/2006/compatibility" xmlns:p14="http://schemas.microsoft.com/office/powerpoint/2010/main" xmlns:p15="http://schemas.microsoft.com/office/powerpoint/2012/main" xmlns:ahyp="http://schemas.microsoft.com/office/drawing/2018/hyperlinkcolor">
+  <p:cSld>
+    <p:spTree>
+      <p:nvGrpSpPr>
+        <p:cNvPr id="159" name="Shape 159"/>
+        <p:cNvGrpSpPr/>
+        <p:nvPr/>
+      </p:nvGrpSpPr>
+      <p:grpSpPr>
+        <a:xfrm>
+          <a:off x="0" y="0"/>
+          <a:ext cx="0" cy="0"/>
+          <a:chOff x="0" y="0"/>
+          <a:chExt cx="0" cy="0"/>
+        </a:xfrm>
+      </p:grpSpPr>
+      <p:sp>
+        <p:nvSpPr>
+          <p:cNvPr id="160" name="Google Shape;160;p24"/>
+          <p:cNvSpPr txBox="1"/>
+          <p:nvPr>
+            <p:ph type="title"/>
+          </p:nvPr>
+        </p:nvSpPr>
+        <p:spPr>
+          <a:xfrm>
+            <a:off x="729450" y="1318650"/>
+            <a:ext cx="7688700" cy="535200"/>
+          </a:xfrm>
+          <a:prstGeom prst="rect">
+            <a:avLst/>
+          </a:prstGeom>
+        </p:spPr>
+        <p:txBody>
+          <a:bodyPr anchorCtr="0" anchor="t" bIns="91425" lIns="91425" spcFirstLastPara="1" rIns="91425" wrap="square" tIns="91425">
+            <a:normAutofit fontScale="90000"/>
+          </a:bodyPr>
+          <a:lstStyle/>
+          <a:p>
+            <a:pPr indent="0" lvl="0" marL="0" rtl="0" algn="l">
+              <a:spcBef>
+                <a:spcPts val="0"/>
+              </a:spcBef>
+              <a:spcAft>
+                <a:spcPts val="0"/>
+              </a:spcAft>
+              <a:buNone/>
+            </a:pPr>
+            <a:r>
+              <a:t/>
+            </a:r>
+            <a:endParaRPr/>
+          </a:p>
+        </p:txBody>
+      </p:sp>
+      <p:sp>
+        <p:nvSpPr>
+          <p:cNvPr id="161" name="Google Shape;161;p24"/>
+          <p:cNvSpPr txBox="1"/>
+          <p:nvPr>
+            <p:ph idx="1" type="body"/>
+          </p:nvPr>
+        </p:nvSpPr>
+        <p:spPr>
+          <a:xfrm>
+            <a:off x="729450" y="2078875"/>
+            <a:ext cx="7688700" cy="2261100"/>
+          </a:xfrm>
+          <a:prstGeom prst="rect">
+            <a:avLst/>
+          </a:prstGeom>
+        </p:spPr>
+        <p:txBody>
+          <a:bodyPr anchorCtr="0" anchor="t" bIns="91425" lIns="91425" spcFirstLastPara="1" rIns="91425" wrap="square" tIns="91425">
+            <a:normAutofit/>
+          </a:bodyPr>
+          <a:lstStyle/>
+          <a:p>
+            <a:pPr indent="0" lvl="0" marL="0" rtl="0" algn="l">
+              <a:spcBef>
+                <a:spcPts val="0"/>
+              </a:spcBef>
+              <a:spcAft>
+                <a:spcPts val="1200"/>
+              </a:spcAft>
+              <a:buNone/>
+            </a:pPr>
+            <a:r>
+              <a:t/>
+            </a:r>
+            <a:endParaRPr/>
+          </a:p>
+        </p:txBody>
+      </p:sp>
+      <p:pic>
+        <p:nvPicPr>
+          <p:cNvPr id="162" name="Google Shape;162;p24"/>
+          <p:cNvPicPr preferRelativeResize="0"/>
+          <p:nvPr/>
+        </p:nvPicPr>
+        <p:blipFill>
+          <a:blip r:embed="rId3">
+            <a:alphaModFix/>
+          </a:blip>
+          <a:stretch>
+            <a:fillRect/>
+          </a:stretch>
+        </p:blipFill>
+        <p:spPr>
+          <a:xfrm>
+            <a:off x="729438" y="1318650"/>
+            <a:ext cx="7419975" cy="2800350"/>
+          </a:xfrm>
+          <a:prstGeom prst="rect">
+            <a:avLst/>
+          </a:prstGeom>
+          <a:noFill/>
+          <a:ln>
+            <a:noFill/>
+          </a:ln>
+        </p:spPr>
+      </p:pic>
+    </p:spTree>
+  </p:cSld>
+  <p:clrMapOvr>
+    <a:masterClrMapping/>
+  </p:clrMapOvr>
+</p:sld>
+</file>
+
+<file path=ppt/slides/slide13.xml><?xml version="1.0" encoding="utf-8"?>
+<p:sld xmlns:a="http://schemas.openxmlformats.org/drawingml/2006/main" xmlns:r="http://schemas.openxmlformats.org/officeDocument/2006/relationships" xmlns:mc="http://schemas.openxmlformats.org/markup-compatibility/2006" xmlns:mv="urn:schemas-microsoft-com:mac:vml" xmlns:p="http://schemas.openxmlformats.org/presentationml/2006/main" xmlns:c="http://schemas.openxmlformats.org/drawingml/2006/chart" xmlns:dgm="http://schemas.openxmlformats.org/drawingml/2006/diagram" xmlns:o="urn:schemas-microsoft-com:office:office" xmlns:v="urn:schemas-microsoft-com:vml" xmlns:pvml="urn:schemas-microsoft-com:office:powerpoint" xmlns:com="http://schemas.openxmlformats.org/drawingml/2006/compatibility" xmlns:p14="http://schemas.microsoft.com/office/powerpoint/2010/main" xmlns:p15="http://schemas.microsoft.com/office/powerpoint/2012/main" xmlns:ahyp="http://schemas.microsoft.com/office/drawing/2018/hyperlinkcolor">
+  <p:cSld>
+    <p:spTree>
+      <p:nvGrpSpPr>
+        <p:cNvPr id="166" name="Shape 166"/>
+        <p:cNvGrpSpPr/>
+        <p:nvPr/>
+      </p:nvGrpSpPr>
+      <p:grpSpPr>
+        <a:xfrm>
+          <a:off x="0" y="0"/>
+          <a:ext cx="0" cy="0"/>
+          <a:chOff x="0" y="0"/>
+          <a:chExt cx="0" cy="0"/>
+        </a:xfrm>
+      </p:grpSpPr>
+      <p:sp>
+        <p:nvSpPr>
+          <p:cNvPr id="167" name="Google Shape;167;p25"/>
+          <p:cNvSpPr txBox="1"/>
+          <p:nvPr>
+            <p:ph type="title"/>
+          </p:nvPr>
+        </p:nvSpPr>
+        <p:spPr>
+          <a:xfrm>
+            <a:off x="729450" y="1318650"/>
+            <a:ext cx="7688700" cy="535200"/>
+          </a:xfrm>
+          <a:prstGeom prst="rect">
+            <a:avLst/>
+          </a:prstGeom>
+        </p:spPr>
+        <p:txBody>
+          <a:bodyPr anchorCtr="0" anchor="t" bIns="91425" lIns="91425" spcFirstLastPara="1" rIns="91425" wrap="square" tIns="91425">
+            <a:normAutofit fontScale="90000"/>
+          </a:bodyPr>
+          <a:lstStyle/>
+          <a:p>
+            <a:pPr indent="0" lvl="0" marL="0" rtl="0" algn="l">
+              <a:spcBef>
+                <a:spcPts val="0"/>
+              </a:spcBef>
+              <a:spcAft>
+                <a:spcPts val="0"/>
+              </a:spcAft>
+              <a:buNone/>
+            </a:pPr>
+            <a:r>
+              <a:t/>
+            </a:r>
+            <a:endParaRPr/>
+          </a:p>
+        </p:txBody>
+      </p:sp>
+      <p:sp>
+        <p:nvSpPr>
+          <p:cNvPr id="168" name="Google Shape;168;p25"/>
+          <p:cNvSpPr txBox="1"/>
+          <p:nvPr>
+            <p:ph idx="1" type="body"/>
+          </p:nvPr>
+        </p:nvSpPr>
+        <p:spPr>
+          <a:xfrm>
+            <a:off x="729450" y="2078875"/>
+            <a:ext cx="7688700" cy="2261100"/>
+          </a:xfrm>
+          <a:prstGeom prst="rect">
+            <a:avLst/>
+          </a:prstGeom>
+        </p:spPr>
+        <p:txBody>
+          <a:bodyPr anchorCtr="0" anchor="t" bIns="91425" lIns="91425" spcFirstLastPara="1" rIns="91425" wrap="square" tIns="91425">
+            <a:normAutofit/>
+          </a:bodyPr>
+          <a:lstStyle/>
+          <a:p>
+            <a:pPr indent="0" lvl="0" marL="0" rtl="0" algn="l">
+              <a:spcBef>
+                <a:spcPts val="0"/>
+              </a:spcBef>
+              <a:spcAft>
+                <a:spcPts val="1200"/>
+              </a:spcAft>
+              <a:buNone/>
+            </a:pPr>
+            <a:r>
+              <a:t/>
+            </a:r>
+            <a:endParaRPr/>
+          </a:p>
+        </p:txBody>
+      </p:sp>
+    </p:spTree>
+  </p:cSld>
+  <p:clrMapOvr>
+    <a:masterClrMapping/>
+  </p:clrMapOvr>
+</p:sld>
+</file>
+
+<file path=ppt/slides/slide14.xml><?xml version="1.0" encoding="utf-8"?>
+<p:sld xmlns:a="http://schemas.openxmlformats.org/drawingml/2006/main" xmlns:r="http://schemas.openxmlformats.org/officeDocument/2006/relationships" xmlns:mc="http://schemas.openxmlformats.org/markup-compatibility/2006" xmlns:mv="urn:schemas-microsoft-com:mac:vml" xmlns:p="http://schemas.openxmlformats.org/presentationml/2006/main" xmlns:c="http://schemas.openxmlformats.org/drawingml/2006/chart" xmlns:dgm="http://schemas.openxmlformats.org/drawingml/2006/diagram" xmlns:o="urn:schemas-microsoft-com:office:office" xmlns:v="urn:schemas-microsoft-com:vml" xmlns:pvml="urn:schemas-microsoft-com:office:powerpoint" xmlns:com="http://schemas.openxmlformats.org/drawingml/2006/compatibility" xmlns:p14="http://schemas.microsoft.com/office/powerpoint/2010/main" xmlns:p15="http://schemas.microsoft.com/office/powerpoint/2012/main" xmlns:ahyp="http://schemas.microsoft.com/office/drawing/2018/hyperlinkcolor">
+  <p:cSld>
+    <p:spTree>
+      <p:nvGrpSpPr>
+        <p:cNvPr id="172" name="Shape 172"/>
+        <p:cNvGrpSpPr/>
+        <p:nvPr/>
+      </p:nvGrpSpPr>
+      <p:grpSpPr>
+        <a:xfrm>
+          <a:off x="0" y="0"/>
+          <a:ext cx="0" cy="0"/>
+          <a:chOff x="0" y="0"/>
+          <a:chExt cx="0" cy="0"/>
+        </a:xfrm>
+      </p:grpSpPr>
+      <p:sp>
+        <p:nvSpPr>
+          <p:cNvPr id="173" name="Google Shape;173;p26"/>
+          <p:cNvSpPr txBox="1"/>
+          <p:nvPr>
+            <p:ph type="title"/>
+          </p:nvPr>
+        </p:nvSpPr>
+        <p:spPr>
+          <a:xfrm>
+            <a:off x="729450" y="1318650"/>
+            <a:ext cx="7688700" cy="535200"/>
+          </a:xfrm>
+          <a:prstGeom prst="rect">
+            <a:avLst/>
+          </a:prstGeom>
+        </p:spPr>
+        <p:txBody>
+          <a:bodyPr anchorCtr="0" anchor="t" bIns="91425" lIns="91425" spcFirstLastPara="1" rIns="91425" wrap="square" tIns="91425">
+            <a:normAutofit fontScale="90000"/>
+          </a:bodyPr>
+          <a:lstStyle/>
+          <a:p>
+            <a:pPr indent="0" lvl="0" marL="0" rtl="0" algn="l">
+              <a:spcBef>
+                <a:spcPts val="0"/>
+              </a:spcBef>
+              <a:spcAft>
+                <a:spcPts val="0"/>
+              </a:spcAft>
+              <a:buNone/>
+            </a:pPr>
+            <a:r>
+              <a:t/>
+            </a:r>
+            <a:endParaRPr/>
+          </a:p>
+        </p:txBody>
+      </p:sp>
+      <p:sp>
+        <p:nvSpPr>
+          <p:cNvPr id="174" name="Google Shape;174;p26"/>
+          <p:cNvSpPr txBox="1"/>
+          <p:nvPr>
+            <p:ph idx="1" type="body"/>
+          </p:nvPr>
+        </p:nvSpPr>
+        <p:spPr>
+          <a:xfrm>
+            <a:off x="729450" y="2078875"/>
+            <a:ext cx="7688700" cy="2261100"/>
+          </a:xfrm>
+          <a:prstGeom prst="rect">
+            <a:avLst/>
+          </a:prstGeom>
+        </p:spPr>
+        <p:txBody>
+          <a:bodyPr anchorCtr="0" anchor="t" bIns="91425" lIns="91425" spcFirstLastPara="1" rIns="91425" wrap="square" tIns="91425">
+            <a:normAutofit/>
+          </a:bodyPr>
+          <a:lstStyle/>
+          <a:p>
+            <a:pPr indent="0" lvl="0" marL="0" rtl="0" algn="l">
+              <a:spcBef>
+                <a:spcPts val="0"/>
+              </a:spcBef>
+              <a:spcAft>
+                <a:spcPts val="1200"/>
+              </a:spcAft>
+              <a:buNone/>
+            </a:pPr>
+            <a:r>
+              <a:t/>
+            </a:r>
+            <a:endParaRPr/>
+          </a:p>
+        </p:txBody>
+      </p:sp>
+      <p:pic>
+        <p:nvPicPr>
+          <p:cNvPr id="175" name="Google Shape;175;p26"/>
+          <p:cNvPicPr preferRelativeResize="0"/>
+          <p:nvPr/>
+        </p:nvPicPr>
+        <p:blipFill>
+          <a:blip r:embed="rId3">
+            <a:alphaModFix/>
+          </a:blip>
+          <a:stretch>
+            <a:fillRect/>
+          </a:stretch>
+        </p:blipFill>
+        <p:spPr>
+          <a:xfrm>
+            <a:off x="171950" y="83425"/>
+            <a:ext cx="5377625" cy="3288199"/>
+          </a:xfrm>
+          <a:prstGeom prst="rect">
+            <a:avLst/>
+          </a:prstGeom>
+          <a:noFill/>
+          <a:ln>
+            <a:noFill/>
+          </a:ln>
+        </p:spPr>
+      </p:pic>
+      <p:pic>
+        <p:nvPicPr>
+          <p:cNvPr id="176" name="Google Shape;176;p26"/>
+          <p:cNvPicPr preferRelativeResize="0"/>
+          <p:nvPr/>
+        </p:nvPicPr>
+        <p:blipFill>
+          <a:blip r:embed="rId4">
+            <a:alphaModFix/>
+          </a:blip>
+          <a:stretch>
+            <a:fillRect/>
+          </a:stretch>
+        </p:blipFill>
+        <p:spPr>
+          <a:xfrm>
+            <a:off x="4185200" y="1457862"/>
+            <a:ext cx="4850100" cy="3503125"/>
+          </a:xfrm>
+          <a:prstGeom prst="rect">
+            <a:avLst/>
+          </a:prstGeom>
+          <a:noFill/>
+          <a:ln>
+            <a:noFill/>
+          </a:ln>
+        </p:spPr>
+      </p:pic>
+    </p:spTree>
+  </p:cSld>
+  <p:clrMapOvr>
+    <a:masterClrMapping/>
+  </p:clrMapOvr>
+</p:sld>
+</file>
+
+<file path=ppt/slides/slide15.xml><?xml version="1.0" encoding="utf-8"?>
+<p:sld xmlns:a="http://schemas.openxmlformats.org/drawingml/2006/main" xmlns:r="http://schemas.openxmlformats.org/officeDocument/2006/relationships" xmlns:mc="http://schemas.openxmlformats.org/markup-compatibility/2006" xmlns:mv="urn:schemas-microsoft-com:mac:vml" xmlns:p="http://schemas.openxmlformats.org/presentationml/2006/main" xmlns:c="http://schemas.openxmlformats.org/drawingml/2006/chart" xmlns:dgm="http://schemas.openxmlformats.org/drawingml/2006/diagram" xmlns:o="urn:schemas-microsoft-com:office:office" xmlns:v="urn:schemas-microsoft-com:vml" xmlns:pvml="urn:schemas-microsoft-com:office:powerpoint" xmlns:com="http://schemas.openxmlformats.org/drawingml/2006/compatibility" xmlns:p14="http://schemas.microsoft.com/office/powerpoint/2010/main" xmlns:p15="http://schemas.microsoft.com/office/powerpoint/2012/main" xmlns:ahyp="http://schemas.microsoft.com/office/drawing/2018/hyperlinkcolor">
+  <p:cSld>
+    <p:spTree>
+      <p:nvGrpSpPr>
+        <p:cNvPr id="180" name="Shape 180"/>
+        <p:cNvGrpSpPr/>
+        <p:nvPr/>
+      </p:nvGrpSpPr>
+      <p:grpSpPr>
+        <a:xfrm>
+          <a:off x="0" y="0"/>
+          <a:ext cx="0" cy="0"/>
+          <a:chOff x="0" y="0"/>
+          <a:chExt cx="0" cy="0"/>
+        </a:xfrm>
+      </p:grpSpPr>
+      <p:sp>
+        <p:nvSpPr>
+          <p:cNvPr id="181" name="Google Shape;181;p27"/>
+          <p:cNvSpPr txBox="1"/>
+          <p:nvPr>
+            <p:ph type="title"/>
+          </p:nvPr>
+        </p:nvSpPr>
+        <p:spPr>
+          <a:xfrm>
+            <a:off x="729450" y="1318650"/>
+            <a:ext cx="7688700" cy="535200"/>
+          </a:xfrm>
+          <a:prstGeom prst="rect">
+            <a:avLst/>
+          </a:prstGeom>
+        </p:spPr>
+        <p:txBody>
+          <a:bodyPr anchorCtr="0" anchor="t" bIns="91425" lIns="91425" spcFirstLastPara="1" rIns="91425" wrap="square" tIns="91425">
+            <a:normAutofit fontScale="90000"/>
+          </a:bodyPr>
+          <a:lstStyle/>
+          <a:p>
+            <a:pPr indent="0" lvl="0" marL="0" rtl="0" algn="l">
+              <a:spcBef>
+                <a:spcPts val="0"/>
+              </a:spcBef>
+              <a:spcAft>
+                <a:spcPts val="0"/>
+              </a:spcAft>
+              <a:buNone/>
+            </a:pPr>
+            <a:r>
+              <a:rPr lang="en"/>
+              <a:t>สรุป</a:t>
+            </a:r>
+            <a:endParaRPr/>
+          </a:p>
+        </p:txBody>
+      </p:sp>
+      <p:sp>
+        <p:nvSpPr>
+          <p:cNvPr id="182" name="Google Shape;182;p27"/>
+          <p:cNvSpPr txBox="1"/>
+          <p:nvPr>
+            <p:ph idx="1" type="body"/>
+          </p:nvPr>
+        </p:nvSpPr>
+        <p:spPr>
+          <a:xfrm>
+            <a:off x="729450" y="2078875"/>
+            <a:ext cx="7688700" cy="2261100"/>
+          </a:xfrm>
+          <a:prstGeom prst="rect">
+            <a:avLst/>
+          </a:prstGeom>
+        </p:spPr>
+        <p:txBody>
+          <a:bodyPr anchorCtr="0" anchor="t" bIns="91425" lIns="91425" spcFirstLastPara="1" rIns="91425" wrap="square" tIns="91425">
+            <a:normAutofit/>
+          </a:bodyPr>
+          <a:lstStyle/>
+          <a:p>
+            <a:pPr indent="-311150" lvl="0" marL="457200" rtl="0" algn="l">
+              <a:spcBef>
+                <a:spcPts val="0"/>
+              </a:spcBef>
+              <a:spcAft>
+                <a:spcPts val="0"/>
+              </a:spcAft>
+              <a:buSzPts val="1300"/>
+              <a:buAutoNum type="arabicPeriod"/>
+            </a:pPr>
+            <a:r>
+              <a:rPr lang="en"/>
+              <a:t>Workflow</a:t>
+            </a:r>
+            <a:endParaRPr/>
+          </a:p>
+          <a:p>
+            <a:pPr indent="-311150" lvl="0" marL="457200" rtl="0" algn="l">
+              <a:spcBef>
+                <a:spcPts val="0"/>
+              </a:spcBef>
+              <a:spcAft>
+                <a:spcPts val="0"/>
+              </a:spcAft>
+              <a:buSzPts val="1300"/>
+              <a:buAutoNum type="arabicPeriod"/>
+            </a:pPr>
+            <a:r>
+              <a:rPr lang="en"/>
+              <a:t>Use AI help your work</a:t>
+            </a:r>
+            <a:endParaRPr/>
+          </a:p>
+          <a:p>
+            <a:pPr indent="-311150" lvl="0" marL="457200" rtl="0" algn="l">
+              <a:spcBef>
+                <a:spcPts val="0"/>
+              </a:spcBef>
+              <a:spcAft>
+                <a:spcPts val="0"/>
+              </a:spcAft>
+              <a:buSzPts val="1300"/>
+              <a:buAutoNum type="arabicPeriod"/>
+            </a:pPr>
+            <a:r>
+              <a:rPr lang="en"/>
+              <a:t>Improvement</a:t>
+            </a:r>
+            <a:endParaRPr/>
+          </a:p>
+        </p:txBody>
+      </p:sp>
+      <p:pic>
+        <p:nvPicPr>
+          <p:cNvPr id="183" name="Google Shape;183;p27"/>
+          <p:cNvPicPr preferRelativeResize="0"/>
+          <p:nvPr/>
+        </p:nvPicPr>
+        <p:blipFill>
+          <a:blip r:embed="rId3">
+            <a:alphaModFix/>
+          </a:blip>
+          <a:stretch>
+            <a:fillRect/>
+          </a:stretch>
+        </p:blipFill>
+        <p:spPr>
+          <a:xfrm>
+            <a:off x="3367250" y="189913"/>
+            <a:ext cx="4568749" cy="2592275"/>
+          </a:xfrm>
+          <a:prstGeom prst="rect">
+            <a:avLst/>
+          </a:prstGeom>
+          <a:noFill/>
+          <a:ln>
+            <a:noFill/>
+          </a:ln>
+        </p:spPr>
+      </p:pic>
+      <p:pic>
+        <p:nvPicPr>
+          <p:cNvPr id="184" name="Google Shape;184;p27"/>
+          <p:cNvPicPr preferRelativeResize="0"/>
+          <p:nvPr/>
+        </p:nvPicPr>
+        <p:blipFill>
+          <a:blip r:embed="rId4">
+            <a:alphaModFix/>
+          </a:blip>
+          <a:stretch>
+            <a:fillRect/>
+          </a:stretch>
+        </p:blipFill>
+        <p:spPr>
+          <a:xfrm>
+            <a:off x="3443751" y="2862825"/>
+            <a:ext cx="4415761" cy="2116050"/>
+          </a:xfrm>
+          <a:prstGeom prst="rect">
+            <a:avLst/>
+          </a:prstGeom>
+          <a:noFill/>
+          <a:ln>
+            <a:noFill/>
+          </a:ln>
+        </p:spPr>
+      </p:pic>
+    </p:spTree>
+  </p:cSld>
+  <p:clrMapOvr>
+    <a:masterClrMapping/>
+  </p:clrMapOvr>
+</p:sld>
+</file>
+
+<file path=ppt/slides/slide16.xml><?xml version="1.0" encoding="utf-8"?>
+<p:sld xmlns:a="http://schemas.openxmlformats.org/drawingml/2006/main" xmlns:r="http://schemas.openxmlformats.org/officeDocument/2006/relationships" xmlns:mc="http://schemas.openxmlformats.org/markup-compatibility/2006" xmlns:mv="urn:schemas-microsoft-com:mac:vml" xmlns:p="http://schemas.openxmlformats.org/presentationml/2006/main" xmlns:c="http://schemas.openxmlformats.org/drawingml/2006/chart" xmlns:dgm="http://schemas.openxmlformats.org/drawingml/2006/diagram" xmlns:o="urn:schemas-microsoft-com:office:office" xmlns:v="urn:schemas-microsoft-com:vml" xmlns:pvml="urn:schemas-microsoft-com:office:powerpoint" xmlns:com="http://schemas.openxmlformats.org/drawingml/2006/compatibility" xmlns:p14="http://schemas.microsoft.com/office/powerpoint/2010/main" xmlns:p15="http://schemas.microsoft.com/office/powerpoint/2012/main" xmlns:ahyp="http://schemas.microsoft.com/office/drawing/2018/hyperlinkcolor">
+  <p:cSld>
+    <p:spTree>
+      <p:nvGrpSpPr>
+        <p:cNvPr id="188" name="Shape 188"/>
+        <p:cNvGrpSpPr/>
+        <p:nvPr/>
+      </p:nvGrpSpPr>
+      <p:grpSpPr>
+        <a:xfrm>
+          <a:off x="0" y="0"/>
+          <a:ext cx="0" cy="0"/>
+          <a:chOff x="0" y="0"/>
+          <a:chExt cx="0" cy="0"/>
+        </a:xfrm>
+      </p:grpSpPr>
+      <p:sp>
+        <p:nvSpPr>
+          <p:cNvPr id="189" name="Google Shape;189;p28"/>
           <p:cNvSpPr txBox="1"/>
           <p:nvPr>
             <p:ph type="ctrTitle"/>
@@ -8167,7 +9618,7 @@
       </p:sp>
       <p:sp>
         <p:nvSpPr>
-          <p:cNvPr id="151" name="Google Shape;151;p22"/>
+          <p:cNvPr id="190" name="Google Shape;190;p28"/>
           <p:cNvSpPr txBox="1"/>
           <p:nvPr>
             <p:ph idx="1" type="subTitle"/>
@@ -8885,7 +10336,7 @@
         </p:nvSpPr>
         <p:spPr>
           <a:xfrm>
-            <a:off x="729450" y="1318650"/>
+            <a:off x="729450" y="1349900"/>
             <a:ext cx="7688700" cy="535200"/>
           </a:xfrm>
           <a:prstGeom prst="rect">
@@ -8953,117 +10404,6 @@
           </a:p>
         </p:txBody>
       </p:sp>
-      <p:pic>
-        <p:nvPicPr>
-          <p:cNvPr id="128" name="Google Shape;128;p19"/>
-          <p:cNvPicPr preferRelativeResize="0"/>
-          <p:nvPr/>
-        </p:nvPicPr>
-        <p:blipFill>
-          <a:blip r:embed="rId3">
-            <a:alphaModFix/>
-          </a:blip>
-          <a:stretch>
-            <a:fillRect/>
-          </a:stretch>
-        </p:blipFill>
-        <p:spPr>
-          <a:xfrm>
-            <a:off x="511975" y="683950"/>
-            <a:ext cx="6591300" cy="876300"/>
-          </a:xfrm>
-          <a:prstGeom prst="rect">
-            <a:avLst/>
-          </a:prstGeom>
-          <a:noFill/>
-          <a:ln>
-            <a:noFill/>
-          </a:ln>
-        </p:spPr>
-      </p:pic>
-      <p:pic>
-        <p:nvPicPr>
-          <p:cNvPr id="129" name="Google Shape;129;p19"/>
-          <p:cNvPicPr preferRelativeResize="0"/>
-          <p:nvPr/>
-        </p:nvPicPr>
-        <p:blipFill>
-          <a:blip r:embed="rId4">
-            <a:alphaModFix/>
-          </a:blip>
-          <a:stretch>
-            <a:fillRect/>
-          </a:stretch>
-        </p:blipFill>
-        <p:spPr>
-          <a:xfrm>
-            <a:off x="511975" y="1497688"/>
-            <a:ext cx="5162550" cy="847725"/>
-          </a:xfrm>
-          <a:prstGeom prst="rect">
-            <a:avLst/>
-          </a:prstGeom>
-          <a:noFill/>
-          <a:ln>
-            <a:noFill/>
-          </a:ln>
-        </p:spPr>
-      </p:pic>
-      <p:pic>
-        <p:nvPicPr>
-          <p:cNvPr id="130" name="Google Shape;130;p19"/>
-          <p:cNvPicPr preferRelativeResize="0"/>
-          <p:nvPr/>
-        </p:nvPicPr>
-        <p:blipFill>
-          <a:blip r:embed="rId5">
-            <a:alphaModFix/>
-          </a:blip>
-          <a:stretch>
-            <a:fillRect/>
-          </a:stretch>
-        </p:blipFill>
-        <p:spPr>
-          <a:xfrm>
-            <a:off x="511975" y="2345425"/>
-            <a:ext cx="6972300" cy="838200"/>
-          </a:xfrm>
-          <a:prstGeom prst="rect">
-            <a:avLst/>
-          </a:prstGeom>
-          <a:noFill/>
-          <a:ln>
-            <a:noFill/>
-          </a:ln>
-        </p:spPr>
-      </p:pic>
-      <p:pic>
-        <p:nvPicPr>
-          <p:cNvPr id="131" name="Google Shape;131;p19"/>
-          <p:cNvPicPr preferRelativeResize="0"/>
-          <p:nvPr/>
-        </p:nvPicPr>
-        <p:blipFill rotWithShape="1">
-          <a:blip r:embed="rId6">
-            <a:alphaModFix/>
-          </a:blip>
-          <a:srcRect b="-11250" l="0" r="0" t="11250"/>
-          <a:stretch/>
-        </p:blipFill>
-        <p:spPr>
-          <a:xfrm>
-            <a:off x="511975" y="3183631"/>
-            <a:ext cx="9143999" cy="1806338"/>
-          </a:xfrm>
-          <a:prstGeom prst="rect">
-            <a:avLst/>
-          </a:prstGeom>
-          <a:noFill/>
-          <a:ln>
-            <a:noFill/>
-          </a:ln>
-        </p:spPr>
-      </p:pic>
     </p:spTree>
   </p:cSld>
   <p:clrMapOvr>
@@ -9077,7 +10417,7 @@
   <p:cSld>
     <p:spTree>
       <p:nvGrpSpPr>
-        <p:cNvPr id="135" name="Shape 135"/>
+        <p:cNvPr id="131" name="Shape 131"/>
         <p:cNvGrpSpPr/>
         <p:nvPr/>
       </p:nvGrpSpPr>
@@ -9091,7 +10431,7 @@
       </p:grpSpPr>
       <p:sp>
         <p:nvSpPr>
-          <p:cNvPr id="136" name="Google Shape;136;p20"/>
+          <p:cNvPr id="132" name="Google Shape;132;p20"/>
           <p:cNvSpPr txBox="1"/>
           <p:nvPr>
             <p:ph type="title"/>
@@ -9118,46 +10458,6 @@
               </a:spcBef>
               <a:spcAft>
                 <a:spcPts val="0"/>
-              </a:spcAft>
-              <a:buNone/>
-            </a:pPr>
-            <a:r>
-              <a:rPr lang="en"/>
-              <a:t>result</a:t>
-            </a:r>
-            <a:endParaRPr/>
-          </a:p>
-        </p:txBody>
-      </p:sp>
-      <p:sp>
-        <p:nvSpPr>
-          <p:cNvPr id="137" name="Google Shape;137;p20"/>
-          <p:cNvSpPr txBox="1"/>
-          <p:nvPr>
-            <p:ph idx="1" type="body"/>
-          </p:nvPr>
-        </p:nvSpPr>
-        <p:spPr>
-          <a:xfrm>
-            <a:off x="729450" y="2078875"/>
-            <a:ext cx="7688700" cy="2261100"/>
-          </a:xfrm>
-          <a:prstGeom prst="rect">
-            <a:avLst/>
-          </a:prstGeom>
-        </p:spPr>
-        <p:txBody>
-          <a:bodyPr anchorCtr="0" anchor="t" bIns="91425" lIns="91425" spcFirstLastPara="1" rIns="91425" wrap="square" tIns="91425">
-            <a:normAutofit/>
-          </a:bodyPr>
-          <a:lstStyle/>
-          <a:p>
-            <a:pPr indent="0" lvl="0" marL="0" rtl="0" algn="l">
-              <a:spcBef>
-                <a:spcPts val="0"/>
-              </a:spcBef>
-              <a:spcAft>
-                <a:spcPts val="1200"/>
               </a:spcAft>
               <a:buNone/>
             </a:pPr>
@@ -9168,6 +10468,73 @@
           </a:p>
         </p:txBody>
       </p:sp>
+      <p:sp>
+        <p:nvSpPr>
+          <p:cNvPr id="133" name="Google Shape;133;p20"/>
+          <p:cNvSpPr txBox="1"/>
+          <p:nvPr>
+            <p:ph idx="1" type="body"/>
+          </p:nvPr>
+        </p:nvSpPr>
+        <p:spPr>
+          <a:xfrm>
+            <a:off x="729450" y="2078875"/>
+            <a:ext cx="7688700" cy="2261100"/>
+          </a:xfrm>
+          <a:prstGeom prst="rect">
+            <a:avLst/>
+          </a:prstGeom>
+        </p:spPr>
+        <p:txBody>
+          <a:bodyPr anchorCtr="0" anchor="t" bIns="91425" lIns="91425" spcFirstLastPara="1" rIns="91425" wrap="square" tIns="91425">
+            <a:normAutofit/>
+          </a:bodyPr>
+          <a:lstStyle/>
+          <a:p>
+            <a:pPr indent="0" lvl="0" marL="0" rtl="0" algn="l">
+              <a:spcBef>
+                <a:spcPts val="0"/>
+              </a:spcBef>
+              <a:spcAft>
+                <a:spcPts val="1200"/>
+              </a:spcAft>
+              <a:buNone/>
+            </a:pPr>
+            <a:r>
+              <a:t/>
+            </a:r>
+            <a:endParaRPr/>
+          </a:p>
+        </p:txBody>
+      </p:sp>
+      <p:pic>
+        <p:nvPicPr>
+          <p:cNvPr id="134" name="Google Shape;134;p20"/>
+          <p:cNvPicPr preferRelativeResize="0"/>
+          <p:nvPr/>
+        </p:nvPicPr>
+        <p:blipFill>
+          <a:blip r:embed="rId3">
+            <a:alphaModFix/>
+          </a:blip>
+          <a:stretch>
+            <a:fillRect/>
+          </a:stretch>
+        </p:blipFill>
+        <p:spPr>
+          <a:xfrm>
+            <a:off x="1533789" y="474275"/>
+            <a:ext cx="6076425" cy="4194950"/>
+          </a:xfrm>
+          <a:prstGeom prst="rect">
+            <a:avLst/>
+          </a:prstGeom>
+          <a:noFill/>
+          <a:ln>
+            <a:noFill/>
+          </a:ln>
+        </p:spPr>
+      </p:pic>
     </p:spTree>
   </p:cSld>
   <p:clrMapOvr>
@@ -9181,7 +10548,7 @@
   <p:cSld>
     <p:spTree>
       <p:nvGrpSpPr>
-        <p:cNvPr id="141" name="Shape 141"/>
+        <p:cNvPr id="138" name="Shape 138"/>
         <p:cNvGrpSpPr/>
         <p:nvPr/>
       </p:nvGrpSpPr>
@@ -9195,7 +10562,7 @@
       </p:grpSpPr>
       <p:sp>
         <p:nvSpPr>
-          <p:cNvPr id="142" name="Google Shape;142;p21"/>
+          <p:cNvPr id="139" name="Google Shape;139;p21"/>
           <p:cNvSpPr txBox="1"/>
           <p:nvPr>
             <p:ph type="title"/>
@@ -9234,7 +10601,7 @@
       </p:sp>
       <p:sp>
         <p:nvSpPr>
-          <p:cNvPr id="143" name="Google Shape;143;p21"/>
+          <p:cNvPr id="140" name="Google Shape;140;p21"/>
           <p:cNvSpPr txBox="1"/>
           <p:nvPr>
             <p:ph idx="1" type="body"/>
@@ -9273,7 +10640,7 @@
       </p:sp>
       <p:pic>
         <p:nvPicPr>
-          <p:cNvPr id="144" name="Google Shape;144;p21"/>
+          <p:cNvPr id="141" name="Google Shape;141;p21"/>
           <p:cNvPicPr preferRelativeResize="0"/>
           <p:nvPr/>
         </p:nvPicPr>
@@ -9287,36 +10654,8 @@
         </p:blipFill>
         <p:spPr>
           <a:xfrm>
-            <a:off x="171950" y="83425"/>
-            <a:ext cx="5377625" cy="3288199"/>
-          </a:xfrm>
-          <a:prstGeom prst="rect">
-            <a:avLst/>
-          </a:prstGeom>
-          <a:noFill/>
-          <a:ln>
-            <a:noFill/>
-          </a:ln>
-        </p:spPr>
-      </p:pic>
-      <p:pic>
-        <p:nvPicPr>
-          <p:cNvPr id="145" name="Google Shape;145;p21"/>
-          <p:cNvPicPr preferRelativeResize="0"/>
-          <p:nvPr/>
-        </p:nvPicPr>
-        <p:blipFill>
-          <a:blip r:embed="rId4">
-            <a:alphaModFix/>
-          </a:blip>
-          <a:stretch>
-            <a:fillRect/>
-          </a:stretch>
-        </p:blipFill>
-        <p:spPr>
-          <a:xfrm>
-            <a:off x="4185200" y="1457862"/>
-            <a:ext cx="4850100" cy="3503125"/>
+            <a:off x="514350" y="1318638"/>
+            <a:ext cx="8115300" cy="2981325"/>
           </a:xfrm>
           <a:prstGeom prst="rect">
             <a:avLst/>
